--- a/java/BlueJ/verkehrskontrolle/diagramme.pptx
+++ b/java/BlueJ/verkehrskontrolle/diagramme.pptx
@@ -104,6 +104,11 @@
       </a:defRPr>
     </a:lvl9pPr>
   </p:defaultTextStyle>
+  <p:extLst>
+    <p:ext uri="{EFAFB233-063F-42B5-8137-9DF3F51BA10A}">
+      <p15:sldGuideLst xmlns:p15="http://schemas.microsoft.com/office/powerpoint/2012/main"/>
+    </p:ext>
+  </p:extLst>
 </p:presentation>
 </file>
 
@@ -254,7 +259,7 @@
           <a:p>
             <a:fld id="{032BA670-86D6-4E35-9D95-97CE61192663}" type="datetimeFigureOut">
               <a:rPr lang="de-DE" smtClean="0"/>
-              <a:t>04.10.2021</a:t>
+              <a:t>27.10.2021</a:t>
             </a:fld>
             <a:endParaRPr lang="de-DE"/>
           </a:p>
@@ -452,7 +457,7 @@
           <a:p>
             <a:fld id="{032BA670-86D6-4E35-9D95-97CE61192663}" type="datetimeFigureOut">
               <a:rPr lang="de-DE" smtClean="0"/>
-              <a:t>04.10.2021</a:t>
+              <a:t>27.10.2021</a:t>
             </a:fld>
             <a:endParaRPr lang="de-DE"/>
           </a:p>
@@ -660,7 +665,7 @@
           <a:p>
             <a:fld id="{032BA670-86D6-4E35-9D95-97CE61192663}" type="datetimeFigureOut">
               <a:rPr lang="de-DE" smtClean="0"/>
-              <a:t>04.10.2021</a:t>
+              <a:t>27.10.2021</a:t>
             </a:fld>
             <a:endParaRPr lang="de-DE"/>
           </a:p>
@@ -858,7 +863,7 @@
           <a:p>
             <a:fld id="{032BA670-86D6-4E35-9D95-97CE61192663}" type="datetimeFigureOut">
               <a:rPr lang="de-DE" smtClean="0"/>
-              <a:t>04.10.2021</a:t>
+              <a:t>27.10.2021</a:t>
             </a:fld>
             <a:endParaRPr lang="de-DE"/>
           </a:p>
@@ -1133,7 +1138,7 @@
           <a:p>
             <a:fld id="{032BA670-86D6-4E35-9D95-97CE61192663}" type="datetimeFigureOut">
               <a:rPr lang="de-DE" smtClean="0"/>
-              <a:t>04.10.2021</a:t>
+              <a:t>27.10.2021</a:t>
             </a:fld>
             <a:endParaRPr lang="de-DE"/>
           </a:p>
@@ -1398,7 +1403,7 @@
           <a:p>
             <a:fld id="{032BA670-86D6-4E35-9D95-97CE61192663}" type="datetimeFigureOut">
               <a:rPr lang="de-DE" smtClean="0"/>
-              <a:t>04.10.2021</a:t>
+              <a:t>27.10.2021</a:t>
             </a:fld>
             <a:endParaRPr lang="de-DE"/>
           </a:p>
@@ -1810,7 +1815,7 @@
           <a:p>
             <a:fld id="{032BA670-86D6-4E35-9D95-97CE61192663}" type="datetimeFigureOut">
               <a:rPr lang="de-DE" smtClean="0"/>
-              <a:t>04.10.2021</a:t>
+              <a:t>27.10.2021</a:t>
             </a:fld>
             <a:endParaRPr lang="de-DE"/>
           </a:p>
@@ -1951,7 +1956,7 @@
           <a:p>
             <a:fld id="{032BA670-86D6-4E35-9D95-97CE61192663}" type="datetimeFigureOut">
               <a:rPr lang="de-DE" smtClean="0"/>
-              <a:t>04.10.2021</a:t>
+              <a:t>27.10.2021</a:t>
             </a:fld>
             <a:endParaRPr lang="de-DE"/>
           </a:p>
@@ -2064,7 +2069,7 @@
           <a:p>
             <a:fld id="{032BA670-86D6-4E35-9D95-97CE61192663}" type="datetimeFigureOut">
               <a:rPr lang="de-DE" smtClean="0"/>
-              <a:t>04.10.2021</a:t>
+              <a:t>27.10.2021</a:t>
             </a:fld>
             <a:endParaRPr lang="de-DE"/>
           </a:p>
@@ -2375,7 +2380,7 @@
           <a:p>
             <a:fld id="{032BA670-86D6-4E35-9D95-97CE61192663}" type="datetimeFigureOut">
               <a:rPr lang="de-DE" smtClean="0"/>
-              <a:t>04.10.2021</a:t>
+              <a:t>27.10.2021</a:t>
             </a:fld>
             <a:endParaRPr lang="de-DE"/>
           </a:p>
@@ -2663,7 +2668,7 @@
           <a:p>
             <a:fld id="{032BA670-86D6-4E35-9D95-97CE61192663}" type="datetimeFigureOut">
               <a:rPr lang="de-DE" smtClean="0"/>
-              <a:t>04.10.2021</a:t>
+              <a:t>27.10.2021</a:t>
             </a:fld>
             <a:endParaRPr lang="de-DE"/>
           </a:p>
@@ -2904,7 +2909,7 @@
           <a:p>
             <a:fld id="{032BA670-86D6-4E35-9D95-97CE61192663}" type="datetimeFigureOut">
               <a:rPr lang="de-DE" smtClean="0"/>
-              <a:t>04.10.2021</a:t>
+              <a:t>27.10.2021</a:t>
             </a:fld>
             <a:endParaRPr lang="de-DE"/>
           </a:p>
@@ -3336,14 +3341,623 @@
           <p:nvPr>
             <p:extLst>
               <p:ext uri="{D42A27DB-BD31-4B8C-83A1-F6EECF244321}">
-                <p14:modId xmlns:p14="http://schemas.microsoft.com/office/powerpoint/2010/main" val="3291178101"/>
+                <p14:modId xmlns:p14="http://schemas.microsoft.com/office/powerpoint/2010/main" val="4092820070"/>
               </p:ext>
             </p:extLst>
           </p:nvPr>
         </p:nvGraphicFramePr>
         <p:xfrm>
-          <a:off x="128630" y="150613"/>
-          <a:ext cx="4476926" cy="3296920"/>
+          <a:off x="128629" y="150613"/>
+          <a:ext cx="5701720" cy="3022600"/>
+        </p:xfrm>
+        <a:graphic>
+          <a:graphicData uri="http://schemas.openxmlformats.org/drawingml/2006/table">
+            <a:tbl>
+              <a:tblPr firstRow="1" bandRow="1">
+                <a:tableStyleId>{5940675A-B579-460E-94D1-54222C63F5DA}</a:tableStyleId>
+              </a:tblPr>
+              <a:tblGrid>
+                <a:gridCol w="5701720">
+                  <a:extLst>
+                    <a:ext uri="{9D8B030D-6E8A-4147-A177-3AD203B41FA5}">
+                      <a16:colId xmlns:a16="http://schemas.microsoft.com/office/drawing/2014/main" val="2199346603"/>
+                    </a:ext>
+                  </a:extLst>
+                </a:gridCol>
+              </a:tblGrid>
+              <a:tr h="370840">
+                <a:tc>
+                  <a:txBody>
+                    <a:bodyPr/>
+                    <a:lstStyle/>
+                    <a:p>
+                      <a:pPr algn="ctr"/>
+                      <a:r>
+                        <a:rPr lang="de-DE" dirty="0"/>
+                        <a:t>Fahrzeug</a:t>
+                      </a:r>
+                    </a:p>
+                  </a:txBody>
+                  <a:tcPr/>
+                </a:tc>
+                <a:extLst>
+                  <a:ext uri="{0D108BD9-81ED-4DB2-BD59-A6C34878D82A}">
+                    <a16:rowId xmlns:a16="http://schemas.microsoft.com/office/drawing/2014/main" val="3468163246"/>
+                  </a:ext>
+                </a:extLst>
+              </a:tr>
+              <a:tr h="370840">
+                <a:tc>
+                  <a:txBody>
+                    <a:bodyPr/>
+                    <a:lstStyle/>
+                    <a:p>
+                      <a:r>
+                        <a:rPr lang="de-DE" dirty="0"/>
+                        <a:t>modell: String</a:t>
+                      </a:r>
+                    </a:p>
+                    <a:p>
+                      <a:r>
+                        <a:rPr lang="de-DE" dirty="0"/>
+                        <a:t>farbe: String</a:t>
+                      </a:r>
+                    </a:p>
+                    <a:p>
+                      <a:r>
+                        <a:rPr lang="de-DE" dirty="0"/>
+                        <a:t>kennzeichen: String</a:t>
+                      </a:r>
+                    </a:p>
+                    <a:p>
+                      <a:r>
+                        <a:rPr lang="de-DE" dirty="0"/>
+                        <a:t>verkehrstauglich: boolean</a:t>
+                      </a:r>
+                    </a:p>
+                  </a:txBody>
+                  <a:tcPr/>
+                </a:tc>
+                <a:extLst>
+                  <a:ext uri="{0D108BD9-81ED-4DB2-BD59-A6C34878D82A}">
+                    <a16:rowId xmlns:a16="http://schemas.microsoft.com/office/drawing/2014/main" val="2607894502"/>
+                  </a:ext>
+                </a:extLst>
+              </a:tr>
+              <a:tr h="370840">
+                <a:tc>
+                  <a:txBody>
+                    <a:bodyPr/>
+                    <a:lstStyle/>
+                    <a:p>
+                      <a:r>
+                        <a:rPr lang="de-DE" dirty="0"/>
+                        <a:t>+ Fahrzeug(String pM, String pF, String pK, boolean pV)</a:t>
+                      </a:r>
+                    </a:p>
+                    <a:p>
+                      <a:r>
+                        <a:rPr lang="de-DE" dirty="0"/>
+                        <a:t>+ </a:t>
+                      </a:r>
+                      <a:r>
+                        <a:rPr lang="de-DE" dirty="0" err="1"/>
+                        <a:t>setVerkehrstauglichkeit</a:t>
+                      </a:r>
+                      <a:r>
+                        <a:rPr lang="de-DE" dirty="0"/>
+                        <a:t>(boolean pV): void</a:t>
+                      </a:r>
+                    </a:p>
+                    <a:p>
+                      <a:r>
+                        <a:rPr lang="de-DE" dirty="0"/>
+                        <a:t>+ </a:t>
+                      </a:r>
+                      <a:r>
+                        <a:rPr lang="de-DE" dirty="0" err="1"/>
+                        <a:t>getModell</a:t>
+                      </a:r>
+                      <a:r>
+                        <a:rPr lang="de-DE" dirty="0"/>
+                        <a:t>(): String</a:t>
+                      </a:r>
+                    </a:p>
+                    <a:p>
+                      <a:r>
+                        <a:rPr lang="de-DE" dirty="0"/>
+                        <a:t>+ </a:t>
+                      </a:r>
+                      <a:r>
+                        <a:rPr lang="de-DE" dirty="0" err="1"/>
+                        <a:t>getFarbe</a:t>
+                      </a:r>
+                      <a:r>
+                        <a:rPr lang="de-DE" dirty="0"/>
+                        <a:t>(): String</a:t>
+                      </a:r>
+                    </a:p>
+                    <a:p>
+                      <a:r>
+                        <a:rPr lang="de-DE" dirty="0"/>
+                        <a:t>+ </a:t>
+                      </a:r>
+                      <a:r>
+                        <a:rPr lang="de-DE" dirty="0" err="1"/>
+                        <a:t>getKennzeichen</a:t>
+                      </a:r>
+                      <a:r>
+                        <a:rPr lang="de-DE" dirty="0"/>
+                        <a:t>(): String</a:t>
+                      </a:r>
+                    </a:p>
+                  </a:txBody>
+                  <a:tcPr/>
+                </a:tc>
+                <a:extLst>
+                  <a:ext uri="{0D108BD9-81ED-4DB2-BD59-A6C34878D82A}">
+                    <a16:rowId xmlns:a16="http://schemas.microsoft.com/office/drawing/2014/main" val="4210923422"/>
+                  </a:ext>
+                </a:extLst>
+              </a:tr>
+            </a:tbl>
+          </a:graphicData>
+        </a:graphic>
+      </p:graphicFrame>
+      <p:graphicFrame>
+        <p:nvGraphicFramePr>
+          <p:cNvPr id="5" name="Tabelle 4">
+            <a:extLst>
+              <a:ext uri="{FF2B5EF4-FFF2-40B4-BE49-F238E27FC236}">
+                <a16:creationId xmlns:a16="http://schemas.microsoft.com/office/drawing/2014/main" id="{2A36E117-67AC-49DD-93FB-29CD530C440B}"/>
+              </a:ext>
+            </a:extLst>
+          </p:cNvPr>
+          <p:cNvGraphicFramePr>
+            <a:graphicFrameLocks noGrp="1"/>
+          </p:cNvGraphicFramePr>
+          <p:nvPr>
+            <p:extLst>
+              <p:ext uri="{D42A27DB-BD31-4B8C-83A1-F6EECF244321}">
+                <p14:modId xmlns:p14="http://schemas.microsoft.com/office/powerpoint/2010/main" val="3203859980"/>
+              </p:ext>
+            </p:extLst>
+          </p:nvPr>
+        </p:nvGraphicFramePr>
+        <p:xfrm>
+          <a:off x="7038364" y="150613"/>
+          <a:ext cx="5025006" cy="5491480"/>
+        </p:xfrm>
+        <a:graphic>
+          <a:graphicData uri="http://schemas.openxmlformats.org/drawingml/2006/table">
+            <a:tbl>
+              <a:tblPr firstRow="1" bandRow="1">
+                <a:tableStyleId>{5940675A-B579-460E-94D1-54222C63F5DA}</a:tableStyleId>
+              </a:tblPr>
+              <a:tblGrid>
+                <a:gridCol w="5025006">
+                  <a:extLst>
+                    <a:ext uri="{9D8B030D-6E8A-4147-A177-3AD203B41FA5}">
+                      <a16:colId xmlns:a16="http://schemas.microsoft.com/office/drawing/2014/main" val="2199346603"/>
+                    </a:ext>
+                  </a:extLst>
+                </a:gridCol>
+              </a:tblGrid>
+              <a:tr h="370840">
+                <a:tc>
+                  <a:txBody>
+                    <a:bodyPr/>
+                    <a:lstStyle/>
+                    <a:p>
+                      <a:pPr algn="ctr"/>
+                      <a:r>
+                        <a:rPr lang="de-DE" dirty="0"/>
+                        <a:t>Polizist</a:t>
+                      </a:r>
+                    </a:p>
+                  </a:txBody>
+                  <a:tcPr/>
+                </a:tc>
+                <a:extLst>
+                  <a:ext uri="{0D108BD9-81ED-4DB2-BD59-A6C34878D82A}">
+                    <a16:rowId xmlns:a16="http://schemas.microsoft.com/office/drawing/2014/main" val="3468163246"/>
+                  </a:ext>
+                </a:extLst>
+              </a:tr>
+              <a:tr h="370840">
+                <a:tc>
+                  <a:txBody>
+                    <a:bodyPr/>
+                    <a:lstStyle/>
+                    <a:p>
+                      <a:r>
+                        <a:rPr lang="de-DE" dirty="0" err="1"/>
+                        <a:t>strasse</a:t>
+                      </a:r>
+                      <a:r>
+                        <a:rPr lang="de-DE" dirty="0"/>
+                        <a:t>: Queue&lt;Fahrzeug&gt;</a:t>
+                      </a:r>
+                    </a:p>
+                    <a:p>
+                      <a:pPr marL="0" marR="0" lvl="0" indent="0" algn="l" defTabSz="914400" rtl="0" eaLnBrk="1" fontAlgn="auto" latinLnBrk="0" hangingPunct="1">
+                        <a:lnSpc>
+                          <a:spcPct val="100000"/>
+                        </a:lnSpc>
+                        <a:spcBef>
+                          <a:spcPts val="0"/>
+                        </a:spcBef>
+                        <a:spcAft>
+                          <a:spcPts val="0"/>
+                        </a:spcAft>
+                        <a:buClrTx/>
+                        <a:buSzTx/>
+                        <a:buFontTx/>
+                        <a:buNone/>
+                        <a:tabLst/>
+                        <a:defRPr/>
+                      </a:pPr>
+                      <a:r>
+                        <a:rPr lang="de-DE" dirty="0" err="1"/>
+                        <a:t>kontrolle</a:t>
+                      </a:r>
+                      <a:r>
+                        <a:rPr lang="de-DE" dirty="0"/>
+                        <a:t>: Queue&lt;Fahrzeug&gt;</a:t>
+                      </a:r>
+                    </a:p>
+                    <a:p>
+                      <a:r>
+                        <a:rPr lang="de-DE" dirty="0" err="1"/>
+                        <a:t>illegaleKennzeichen</a:t>
+                      </a:r>
+                      <a:r>
+                        <a:rPr lang="de-DE" dirty="0"/>
+                        <a:t>: String[]</a:t>
+                      </a:r>
+                    </a:p>
+                    <a:p>
+                      <a:pPr marL="0" marR="0" lvl="0" indent="0" algn="l" defTabSz="914400" rtl="0" eaLnBrk="1" fontAlgn="auto" latinLnBrk="0" hangingPunct="1">
+                        <a:lnSpc>
+                          <a:spcPct val="100000"/>
+                        </a:lnSpc>
+                        <a:spcBef>
+                          <a:spcPts val="0"/>
+                        </a:spcBef>
+                        <a:spcAft>
+                          <a:spcPts val="0"/>
+                        </a:spcAft>
+                        <a:buClrTx/>
+                        <a:buSzTx/>
+                        <a:buFontTx/>
+                        <a:buNone/>
+                        <a:tabLst/>
+                        <a:defRPr/>
+                      </a:pPr>
+                      <a:r>
+                        <a:rPr lang="de-DE" dirty="0" err="1"/>
+                        <a:t>illegaleFarben</a:t>
+                      </a:r>
+                      <a:r>
+                        <a:rPr lang="de-DE" dirty="0"/>
+                        <a:t>: String[]</a:t>
+                      </a:r>
+                    </a:p>
+                    <a:p>
+                      <a:pPr marL="0" marR="0" lvl="0" indent="0" algn="l" defTabSz="914400" rtl="0" eaLnBrk="1" fontAlgn="auto" latinLnBrk="0" hangingPunct="1">
+                        <a:lnSpc>
+                          <a:spcPct val="100000"/>
+                        </a:lnSpc>
+                        <a:spcBef>
+                          <a:spcPts val="0"/>
+                        </a:spcBef>
+                        <a:spcAft>
+                          <a:spcPts val="0"/>
+                        </a:spcAft>
+                        <a:buClrTx/>
+                        <a:buSzTx/>
+                        <a:buFontTx/>
+                        <a:buNone/>
+                        <a:tabLst/>
+                        <a:defRPr/>
+                      </a:pPr>
+                      <a:r>
+                        <a:rPr lang="de-DE" dirty="0" err="1"/>
+                        <a:t>illegaleModelle</a:t>
+                      </a:r>
+                      <a:r>
+                        <a:rPr lang="de-DE" dirty="0"/>
+                        <a:t>: String[]</a:t>
+                      </a:r>
+                    </a:p>
+                    <a:p>
+                      <a:r>
+                        <a:rPr lang="de-DE" dirty="0" err="1"/>
+                        <a:t>mindestAutos</a:t>
+                      </a:r>
+                      <a:r>
+                        <a:rPr lang="de-DE" dirty="0"/>
+                        <a:t>: int</a:t>
+                      </a:r>
+                    </a:p>
+                    <a:p>
+                      <a:pPr marL="0" marR="0" lvl="0" indent="0" algn="l" defTabSz="914400" rtl="0" eaLnBrk="1" fontAlgn="auto" latinLnBrk="0" hangingPunct="1">
+                        <a:lnSpc>
+                          <a:spcPct val="100000"/>
+                        </a:lnSpc>
+                        <a:spcBef>
+                          <a:spcPts val="0"/>
+                        </a:spcBef>
+                        <a:spcAft>
+                          <a:spcPts val="0"/>
+                        </a:spcAft>
+                        <a:buClrTx/>
+                        <a:buSzTx/>
+                        <a:buFontTx/>
+                        <a:buNone/>
+                        <a:tabLst/>
+                        <a:defRPr/>
+                      </a:pPr>
+                      <a:r>
+                        <a:rPr lang="de-DE" dirty="0" err="1"/>
+                        <a:t>mindestMaengel</a:t>
+                      </a:r>
+                      <a:r>
+                        <a:rPr lang="de-DE" dirty="0"/>
+                        <a:t>: int</a:t>
+                      </a:r>
+                    </a:p>
+                  </a:txBody>
+                  <a:tcPr/>
+                </a:tc>
+                <a:extLst>
+                  <a:ext uri="{0D108BD9-81ED-4DB2-BD59-A6C34878D82A}">
+                    <a16:rowId xmlns:a16="http://schemas.microsoft.com/office/drawing/2014/main" val="2607894502"/>
+                  </a:ext>
+                </a:extLst>
+              </a:tr>
+              <a:tr h="370840">
+                <a:tc>
+                  <a:txBody>
+                    <a:bodyPr/>
+                    <a:lstStyle/>
+                    <a:p>
+                      <a:r>
+                        <a:rPr lang="de-DE" dirty="0"/>
+                        <a:t>+ Polizist(</a:t>
+                      </a:r>
+                      <a:r>
+                        <a:rPr lang="de-DE" dirty="0" err="1"/>
+                        <a:t>int</a:t>
+                      </a:r>
+                      <a:r>
+                        <a:rPr lang="de-DE" dirty="0"/>
+                        <a:t> </a:t>
+                      </a:r>
+                      <a:r>
+                        <a:rPr lang="de-DE" dirty="0" err="1"/>
+                        <a:t>pMA</a:t>
+                      </a:r>
+                      <a:r>
+                        <a:rPr lang="de-DE" dirty="0"/>
+                        <a:t>, </a:t>
+                      </a:r>
+                      <a:r>
+                        <a:rPr lang="de-DE" dirty="0" err="1"/>
+                        <a:t>pMM</a:t>
+                      </a:r>
+                      <a:r>
+                        <a:rPr lang="de-DE" dirty="0"/>
+                        <a:t>)</a:t>
+                      </a:r>
+                      <a:br>
+                        <a:rPr lang="de-DE" dirty="0"/>
+                      </a:br>
+                      <a:r>
+                        <a:rPr lang="de-DE" dirty="0"/>
+                        <a:t>+ </a:t>
+                      </a:r>
+                      <a:r>
+                        <a:rPr lang="de-DE" dirty="0" err="1"/>
+                        <a:t>weiterWinken</a:t>
+                      </a:r>
+                      <a:r>
+                        <a:rPr lang="de-DE" dirty="0"/>
+                        <a:t>(): void</a:t>
+                      </a:r>
+                    </a:p>
+                    <a:p>
+                      <a:r>
+                        <a:rPr lang="de-DE" dirty="0"/>
+                        <a:t>+ </a:t>
+                      </a:r>
+                      <a:r>
+                        <a:rPr lang="de-DE" dirty="0" err="1"/>
+                        <a:t>herausWinken</a:t>
+                      </a:r>
+                      <a:r>
+                        <a:rPr lang="de-DE" dirty="0"/>
+                        <a:t>(): </a:t>
+                      </a:r>
+                      <a:r>
+                        <a:rPr lang="de-DE" dirty="0" err="1"/>
+                        <a:t>void</a:t>
+                      </a:r>
+                      <a:endParaRPr lang="de-DE" dirty="0"/>
+                    </a:p>
+                    <a:p>
+                      <a:r>
+                        <a:rPr lang="de-DE" i="0" dirty="0"/>
+                        <a:t>- </a:t>
+                      </a:r>
+                      <a:r>
+                        <a:rPr lang="de-DE" i="0" dirty="0" err="1"/>
+                        <a:t>starteKontrolle</a:t>
+                      </a:r>
+                      <a:r>
+                        <a:rPr lang="de-DE" i="0" dirty="0"/>
+                        <a:t>(): </a:t>
+                      </a:r>
+                      <a:r>
+                        <a:rPr lang="de-DE" i="0" dirty="0" err="1"/>
+                        <a:t>void</a:t>
+                      </a:r>
+                      <a:endParaRPr lang="de-DE" i="0" dirty="0"/>
+                    </a:p>
+                    <a:p>
+                      <a:r>
+                        <a:rPr lang="de-DE" i="0" dirty="0"/>
+                        <a:t>- kontrollieren(): </a:t>
+                      </a:r>
+                      <a:r>
+                        <a:rPr lang="de-DE" i="0" dirty="0" err="1"/>
+                        <a:t>void</a:t>
+                      </a:r>
+                      <a:endParaRPr lang="de-DE" i="0" dirty="0"/>
+                    </a:p>
+                    <a:p>
+                      <a:r>
+                        <a:rPr lang="de-DE" i="0" dirty="0"/>
+                        <a:t>- </a:t>
+                      </a:r>
+                      <a:r>
+                        <a:rPr lang="de-DE" i="0" dirty="0" err="1"/>
+                        <a:t>istIllegal</a:t>
+                      </a:r>
+                      <a:r>
+                        <a:rPr lang="de-DE" i="0" dirty="0"/>
+                        <a:t>(): </a:t>
+                      </a:r>
+                      <a:r>
+                        <a:rPr lang="de-DE" i="0" dirty="0" err="1"/>
+                        <a:t>boolean</a:t>
+                      </a:r>
+                      <a:endParaRPr lang="de-DE" i="0" dirty="0"/>
+                    </a:p>
+                    <a:p>
+                      <a:r>
+                        <a:rPr lang="de-DE" i="0" dirty="0"/>
+                        <a:t>- </a:t>
+                      </a:r>
+                      <a:r>
+                        <a:rPr lang="de-DE" i="0" dirty="0" err="1"/>
+                        <a:t>getGrund</a:t>
+                      </a:r>
+                      <a:r>
+                        <a:rPr lang="de-DE" i="0" dirty="0"/>
+                        <a:t>: String</a:t>
+                      </a:r>
+                    </a:p>
+                    <a:p>
+                      <a:r>
+                        <a:rPr lang="de-DE" dirty="0"/>
+                        <a:t>+ </a:t>
+                      </a:r>
+                      <a:r>
+                        <a:rPr lang="de-DE" dirty="0" err="1"/>
+                        <a:t>kolonneAufloesen</a:t>
+                      </a:r>
+                      <a:r>
+                        <a:rPr lang="de-DE" dirty="0"/>
+                        <a:t>(): void</a:t>
+                      </a:r>
+                    </a:p>
+                    <a:p>
+                      <a:r>
+                        <a:rPr lang="de-DE" dirty="0"/>
+                        <a:t>+ </a:t>
+                      </a:r>
+                      <a:r>
+                        <a:rPr lang="de-DE" dirty="0" err="1"/>
+                        <a:t>getMaengel</a:t>
+                      </a:r>
+                      <a:r>
+                        <a:rPr lang="de-DE" dirty="0"/>
+                        <a:t>(): int</a:t>
+                      </a:r>
+                    </a:p>
+                    <a:p>
+                      <a:r>
+                        <a:rPr lang="de-DE" dirty="0"/>
+                        <a:t>+ </a:t>
+                      </a:r>
+                      <a:r>
+                        <a:rPr lang="de-DE" dirty="0" err="1"/>
+                        <a:t>getKontrollierteFarzeuge</a:t>
+                      </a:r>
+                      <a:r>
+                        <a:rPr lang="de-DE" dirty="0"/>
+                        <a:t>(): </a:t>
+                      </a:r>
+                      <a:r>
+                        <a:rPr lang="de-DE" dirty="0" err="1"/>
+                        <a:t>int</a:t>
+                      </a:r>
+                      <a:endParaRPr lang="de-DE" dirty="0"/>
+                    </a:p>
+                    <a:p>
+                      <a:r>
+                        <a:rPr lang="de-DE" dirty="0"/>
+                        <a:t>+ </a:t>
+                      </a:r>
+                      <a:r>
+                        <a:rPr lang="de-DE" dirty="0" err="1"/>
+                        <a:t>addCar</a:t>
+                      </a:r>
+                      <a:r>
+                        <a:rPr lang="de-DE" dirty="0"/>
+                        <a:t>(Fahrzeug </a:t>
+                      </a:r>
+                      <a:r>
+                        <a:rPr lang="de-DE" dirty="0" err="1"/>
+                        <a:t>pF</a:t>
+                      </a:r>
+                      <a:r>
+                        <a:rPr lang="de-DE" dirty="0"/>
+                        <a:t>): </a:t>
+                      </a:r>
+                      <a:r>
+                        <a:rPr lang="de-DE" dirty="0" err="1"/>
+                        <a:t>void</a:t>
+                      </a:r>
+                      <a:endParaRPr lang="de-DE" dirty="0"/>
+                    </a:p>
+                  </a:txBody>
+                  <a:tcPr/>
+                </a:tc>
+                <a:extLst>
+                  <a:ext uri="{0D108BD9-81ED-4DB2-BD59-A6C34878D82A}">
+                    <a16:rowId xmlns:a16="http://schemas.microsoft.com/office/drawing/2014/main" val="4210923422"/>
+                  </a:ext>
+                </a:extLst>
+              </a:tr>
+            </a:tbl>
+          </a:graphicData>
+        </a:graphic>
+      </p:graphicFrame>
+      <p:graphicFrame>
+        <p:nvGraphicFramePr>
+          <p:cNvPr id="6" name="Tabelle 5">
+            <a:extLst>
+              <a:ext uri="{FF2B5EF4-FFF2-40B4-BE49-F238E27FC236}">
+                <a16:creationId xmlns:a16="http://schemas.microsoft.com/office/drawing/2014/main" id="{F7A81F67-84FF-4CFB-999C-BC3C2338BD3A}"/>
+              </a:ext>
+            </a:extLst>
+          </p:cNvPr>
+          <p:cNvGraphicFramePr>
+            <a:graphicFrameLocks noGrp="1"/>
+          </p:cNvGraphicFramePr>
+          <p:nvPr>
+            <p:extLst>
+              <p:ext uri="{D42A27DB-BD31-4B8C-83A1-F6EECF244321}">
+                <p14:modId xmlns:p14="http://schemas.microsoft.com/office/powerpoint/2010/main" val="327572423"/>
+              </p:ext>
+            </p:extLst>
+          </p:nvPr>
+        </p:nvGraphicFramePr>
+        <p:xfrm>
+          <a:off x="128630" y="3917317"/>
+          <a:ext cx="4476926" cy="1656080"/>
         </p:xfrm>
         <a:graphic>
           <a:graphicData uri="http://schemas.openxmlformats.org/drawingml/2006/table">
@@ -3368,8 +3982,20 @@
                     <a:p>
                       <a:pPr algn="ctr"/>
                       <a:r>
-                        <a:rPr lang="de-DE" dirty="0"/>
-                        <a:t>Fahrzeug</a:t>
+                        <a:rPr lang="de-DE" dirty="0" err="1"/>
+                        <a:t>Util</a:t>
+                      </a:r>
+                      <a:r>
+                        <a:rPr lang="de-DE" dirty="0"/>
+                        <a:t> (</a:t>
+                      </a:r>
+                      <a:r>
+                        <a:rPr lang="de-DE" dirty="0" err="1"/>
+                        <a:t>static</a:t>
+                      </a:r>
+                      <a:r>
+                        <a:rPr lang="de-DE" dirty="0"/>
+                        <a:t>)</a:t>
                       </a:r>
                     </a:p>
                   </a:txBody>
@@ -3387,28 +4013,7 @@
                     <a:bodyPr/>
                     <a:lstStyle/>
                     <a:p>
-                      <a:r>
-                        <a:rPr lang="de-DE" dirty="0"/>
-                        <a:t>modell: String</a:t>
-                      </a:r>
-                    </a:p>
-                    <a:p>
-                      <a:r>
-                        <a:rPr lang="de-DE" dirty="0"/>
-                        <a:t>farbe: String</a:t>
-                      </a:r>
-                    </a:p>
-                    <a:p>
-                      <a:r>
-                        <a:rPr lang="de-DE" dirty="0"/>
-                        <a:t>kennzeichen: String</a:t>
-                      </a:r>
-                    </a:p>
-                    <a:p>
-                      <a:r>
-                        <a:rPr lang="de-DE" dirty="0"/>
-                        <a:t>verkehrstauglich: boolean</a:t>
-                      </a:r>
+                      <a:endParaRPr lang="de-DE" dirty="0"/>
                     </a:p>
                   </a:txBody>
                   <a:tcPr/>
@@ -3427,128 +4032,72 @@
                     <a:p>
                       <a:r>
                         <a:rPr lang="de-DE" dirty="0"/>
-                        <a:t>Fahrzeug(String pM, String pF, String pK, boolean pV)</a:t>
-                      </a:r>
+                        <a:t>+ </a:t>
+                      </a:r>
+                      <a:r>
+                        <a:rPr lang="de-DE" dirty="0" err="1"/>
+                        <a:t>randomInt</a:t>
+                      </a:r>
+                      <a:r>
+                        <a:rPr lang="de-DE" dirty="0"/>
+                        <a:t>(</a:t>
+                      </a:r>
+                      <a:r>
+                        <a:rPr lang="de-DE" dirty="0" err="1"/>
+                        <a:t>int</a:t>
+                      </a:r>
+                      <a:r>
+                        <a:rPr lang="de-DE" dirty="0"/>
+                        <a:t> </a:t>
+                      </a:r>
+                      <a:r>
+                        <a:rPr lang="de-DE" dirty="0" err="1"/>
+                        <a:t>pMax</a:t>
+                      </a:r>
+                      <a:r>
+                        <a:rPr lang="de-DE" dirty="0"/>
+                        <a:t>): </a:t>
+                      </a:r>
+                      <a:r>
+                        <a:rPr lang="de-DE" dirty="0" err="1"/>
+                        <a:t>int</a:t>
+                      </a:r>
+                      <a:endParaRPr lang="de-DE" dirty="0"/>
                     </a:p>
                     <a:p>
                       <a:r>
                         <a:rPr lang="de-DE" dirty="0"/>
-                        <a:t>setVerkehrstauglichkeit(boolean pV): void</a:t>
-                      </a:r>
-                    </a:p>
-                    <a:p>
-                      <a:r>
-                        <a:rPr lang="de-DE" dirty="0"/>
-                        <a:t>getModell(): String</a:t>
-                      </a:r>
-                    </a:p>
-                    <a:p>
-                      <a:r>
-                        <a:rPr lang="de-DE" dirty="0"/>
-                        <a:t>getFarbe(): String</a:t>
-                      </a:r>
-                    </a:p>
-                    <a:p>
-                      <a:r>
-                        <a:rPr lang="de-DE" dirty="0"/>
-                        <a:t>getKennzeichen(): String</a:t>
-                      </a:r>
-                    </a:p>
-                  </a:txBody>
-                  <a:tcPr/>
-                </a:tc>
-                <a:extLst>
-                  <a:ext uri="{0D108BD9-81ED-4DB2-BD59-A6C34878D82A}">
-                    <a16:rowId xmlns:a16="http://schemas.microsoft.com/office/drawing/2014/main" val="4210923422"/>
-                  </a:ext>
-                </a:extLst>
-              </a:tr>
-            </a:tbl>
-          </a:graphicData>
-        </a:graphic>
-      </p:graphicFrame>
-      <p:graphicFrame>
-        <p:nvGraphicFramePr>
-          <p:cNvPr id="5" name="Tabelle 4">
-            <a:extLst>
-              <a:ext uri="{FF2B5EF4-FFF2-40B4-BE49-F238E27FC236}">
-                <a16:creationId xmlns:a16="http://schemas.microsoft.com/office/drawing/2014/main" id="{2A36E117-67AC-49DD-93FB-29CD530C440B}"/>
-              </a:ext>
-            </a:extLst>
-          </p:cNvPr>
-          <p:cNvGraphicFramePr>
-            <a:graphicFrameLocks noGrp="1"/>
-          </p:cNvGraphicFramePr>
-          <p:nvPr>
-            <p:extLst>
-              <p:ext uri="{D42A27DB-BD31-4B8C-83A1-F6EECF244321}">
-                <p14:modId xmlns:p14="http://schemas.microsoft.com/office/powerpoint/2010/main" val="3751807017"/>
-              </p:ext>
-            </p:extLst>
-          </p:nvPr>
-        </p:nvGraphicFramePr>
-        <p:xfrm>
-          <a:off x="7038364" y="150613"/>
-          <a:ext cx="5025006" cy="3845560"/>
-        </p:xfrm>
-        <a:graphic>
-          <a:graphicData uri="http://schemas.openxmlformats.org/drawingml/2006/table">
-            <a:tbl>
-              <a:tblPr firstRow="1" bandRow="1">
-                <a:tableStyleId>{5940675A-B579-460E-94D1-54222C63F5DA}</a:tableStyleId>
-              </a:tblPr>
-              <a:tblGrid>
-                <a:gridCol w="5025006">
-                  <a:extLst>
-                    <a:ext uri="{9D8B030D-6E8A-4147-A177-3AD203B41FA5}">
-                      <a16:colId xmlns:a16="http://schemas.microsoft.com/office/drawing/2014/main" val="2199346603"/>
-                    </a:ext>
-                  </a:extLst>
-                </a:gridCol>
-              </a:tblGrid>
-              <a:tr h="370840">
-                <a:tc>
-                  <a:txBody>
-                    <a:bodyPr/>
-                    <a:lstStyle/>
-                    <a:p>
-                      <a:pPr algn="ctr"/>
-                      <a:r>
-                        <a:rPr lang="de-DE" dirty="0"/>
-                        <a:t>Polizist</a:t>
-                      </a:r>
-                    </a:p>
-                  </a:txBody>
-                  <a:tcPr/>
-                </a:tc>
-                <a:extLst>
-                  <a:ext uri="{0D108BD9-81ED-4DB2-BD59-A6C34878D82A}">
-                    <a16:rowId xmlns:a16="http://schemas.microsoft.com/office/drawing/2014/main" val="3468163246"/>
-                  </a:ext>
-                </a:extLst>
-              </a:tr>
-              <a:tr h="370840">
-                <a:tc>
-                  <a:txBody>
-                    <a:bodyPr/>
-                    <a:lstStyle/>
-                    <a:p>
-                      <a:r>
-                        <a:rPr lang="de-DE" dirty="0"/>
-                        <a:t>warteschlange: Queue&lt;Fahrzeug&gt;</a:t>
-                      </a:r>
-                    </a:p>
-                    <a:p>
-                      <a:r>
-                        <a:rPr lang="de-DE" dirty="0"/>
-                        <a:t>kennzeichenDatenbank: String[]</a:t>
-                      </a:r>
-                    </a:p>
-                    <a:p>
-                      <a:r>
-                        <a:rPr lang="de-DE" dirty="0"/>
-                        <a:t>mindestAnzahl: int</a:t>
-                      </a:r>
+                        <a:t>+ </a:t>
+                      </a:r>
+                      <a:r>
+                        <a:rPr lang="de-DE" dirty="0" err="1"/>
+                        <a:t>wait</a:t>
+                      </a:r>
+                      <a:r>
+                        <a:rPr lang="de-DE" dirty="0"/>
+                        <a:t>(</a:t>
+                      </a:r>
+                      <a:r>
+                        <a:rPr lang="de-DE" dirty="0" err="1"/>
+                        <a:t>int</a:t>
+                      </a:r>
+                      <a:r>
+                        <a:rPr lang="de-DE" dirty="0"/>
+                        <a:t> </a:t>
+                      </a:r>
+                      <a:r>
+                        <a:rPr lang="de-DE" dirty="0" err="1"/>
+                        <a:t>pSeconds</a:t>
+                      </a:r>
+                      <a:r>
+                        <a:rPr lang="de-DE" dirty="0"/>
+                        <a:t>): </a:t>
+                      </a:r>
+                      <a:r>
+                        <a:rPr lang="de-DE" dirty="0" err="1"/>
+                        <a:t>void</a:t>
+                      </a:r>
+                      <a:endParaRPr lang="de-DE" dirty="0"/>
                     </a:p>
                     <a:p>
                       <a:pPr marL="0" marR="0" lvl="0" indent="0" algn="l" defTabSz="914400" rtl="0" eaLnBrk="1" fontAlgn="auto" latinLnBrk="0" hangingPunct="1">
@@ -3569,72 +4118,86 @@
                         <a:defRPr/>
                       </a:pPr>
                       <a:r>
-                        <a:rPr lang="de-DE" dirty="0"/>
-                        <a:t>hoechstAnzahl: int</a:t>
-                      </a:r>
-                    </a:p>
-                  </a:txBody>
-                  <a:tcPr/>
-                </a:tc>
-                <a:extLst>
-                  <a:ext uri="{0D108BD9-81ED-4DB2-BD59-A6C34878D82A}">
-                    <a16:rowId xmlns:a16="http://schemas.microsoft.com/office/drawing/2014/main" val="2607894502"/>
-                  </a:ext>
-                </a:extLst>
-              </a:tr>
-              <a:tr h="370840">
-                <a:tc>
-                  <a:txBody>
-                    <a:bodyPr/>
-                    <a:lstStyle/>
-                    <a:p>
-                      <a:r>
-                        <a:rPr lang="de-DE" dirty="0"/>
-                        <a:t>Polizist(int pMA)</a:t>
-                      </a:r>
-                      <a:br>
-                        <a:rPr lang="de-DE" dirty="0"/>
-                      </a:br>
-                      <a:r>
-                        <a:rPr lang="de-DE" dirty="0"/>
-                        <a:t>weiterWinken(): void</a:t>
-                      </a:r>
-                    </a:p>
-                    <a:p>
-                      <a:r>
-                        <a:rPr lang="de-DE" dirty="0"/>
-                        <a:t>herausWinken(): void</a:t>
-                      </a:r>
-                    </a:p>
-                    <a:p>
-                      <a:r>
-                        <a:rPr lang="de-DE" dirty="0"/>
-                        <a:t>verkehrstauglichkeitUeberpruefen(): boolean</a:t>
-                      </a:r>
-                    </a:p>
-                    <a:p>
-                      <a:r>
-                        <a:rPr lang="de-DE" dirty="0"/>
-                        <a:t>kennzeichenPruefen(): void</a:t>
-                      </a:r>
-                    </a:p>
-                    <a:p>
-                      <a:r>
-                        <a:rPr lang="de-DE" dirty="0"/>
-                        <a:t>kolonneAufloesen(): void</a:t>
-                      </a:r>
-                    </a:p>
-                    <a:p>
-                      <a:r>
-                        <a:rPr lang="de-DE" dirty="0"/>
-                        <a:t>getMaengel(): int</a:t>
-                      </a:r>
-                    </a:p>
-                    <a:p>
-                      <a:r>
-                        <a:rPr lang="de-DE" dirty="0"/>
-                        <a:t>getKontrollierteFarzeuge(): int</a:t>
-                      </a:r>
+                        <a:rPr lang="de-DE" sz="1800" b="0" kern="1200" dirty="0">
+                          <a:solidFill>
+                            <a:schemeClr val="tx1"/>
+                          </a:solidFill>
+                          <a:effectLst/>
+                          <a:latin typeface="+mn-lt"/>
+                          <a:ea typeface="+mn-ea"/>
+                          <a:cs typeface="+mn-cs"/>
+                        </a:rPr>
+                        <a:t>+ </a:t>
+                      </a:r>
+                      <a:r>
+                        <a:rPr lang="de-DE" sz="1800" b="0" kern="1200" dirty="0" err="1">
+                          <a:solidFill>
+                            <a:schemeClr val="tx1"/>
+                          </a:solidFill>
+                          <a:effectLst/>
+                          <a:latin typeface="+mn-lt"/>
+                          <a:ea typeface="+mn-ea"/>
+                          <a:cs typeface="+mn-cs"/>
+                        </a:rPr>
+                        <a:t>verkehrErstellen</a:t>
+                      </a:r>
+                      <a:r>
+                        <a:rPr lang="de-DE" sz="1800" b="0" kern="1200" dirty="0">
+                          <a:solidFill>
+                            <a:schemeClr val="tx1"/>
+                          </a:solidFill>
+                          <a:effectLst/>
+                          <a:latin typeface="+mn-lt"/>
+                          <a:ea typeface="+mn-ea"/>
+                          <a:cs typeface="+mn-cs"/>
+                        </a:rPr>
+                        <a:t>(Polizist </a:t>
+                      </a:r>
+                      <a:r>
+                        <a:rPr lang="de-DE" sz="1800" b="0" kern="1200" dirty="0" err="1">
+                          <a:solidFill>
+                            <a:schemeClr val="tx1"/>
+                          </a:solidFill>
+                          <a:effectLst/>
+                          <a:latin typeface="+mn-lt"/>
+                          <a:ea typeface="+mn-ea"/>
+                          <a:cs typeface="+mn-cs"/>
+                        </a:rPr>
+                        <a:t>pPolizist</a:t>
+                      </a:r>
+                      <a:r>
+                        <a:rPr lang="de-DE" sz="1800" b="0" kern="1200" dirty="0">
+                          <a:solidFill>
+                            <a:schemeClr val="tx1"/>
+                          </a:solidFill>
+                          <a:effectLst/>
+                          <a:latin typeface="+mn-lt"/>
+                          <a:ea typeface="+mn-ea"/>
+                          <a:cs typeface="+mn-cs"/>
+                        </a:rPr>
+                        <a:t>): </a:t>
+                      </a:r>
+                      <a:r>
+                        <a:rPr lang="de-DE" sz="1800" b="0" kern="1200" dirty="0" err="1">
+                          <a:solidFill>
+                            <a:schemeClr val="tx1"/>
+                          </a:solidFill>
+                          <a:effectLst/>
+                          <a:latin typeface="+mn-lt"/>
+                          <a:ea typeface="+mn-ea"/>
+                          <a:cs typeface="+mn-cs"/>
+                        </a:rPr>
+                        <a:t>void</a:t>
+                      </a:r>
+                      <a:endParaRPr lang="de-DE" sz="1800" b="0" kern="1200" dirty="0">
+                        <a:solidFill>
+                          <a:schemeClr val="tx1"/>
+                        </a:solidFill>
+                        <a:effectLst/>
+                        <a:latin typeface="+mn-lt"/>
+                        <a:ea typeface="+mn-ea"/>
+                        <a:cs typeface="+mn-cs"/>
+                      </a:endParaRPr>
                     </a:p>
                   </a:txBody>
                   <a:tcPr/>
